--- a/keyloggerppt.pptx
+++ b/keyloggerppt.pptx
@@ -6332,275 +6332,6 @@
           </a:p>
         </p:txBody>
       </p:sp>
-      <p:grpSp>
-        <p:nvGrpSpPr>
-          <p:cNvPr id="4" name="object 2">
-            <a:extLst>
-              <a:ext uri="{FF2B5EF4-FFF2-40B4-BE49-F238E27FC236}">
-                <a16:creationId xmlns:a16="http://schemas.microsoft.com/office/drawing/2014/main" id="{C430822C-59A8-8E64-A569-915D36F101F3}"/>
-              </a:ext>
-            </a:extLst>
-          </p:cNvPr>
-          <p:cNvGrpSpPr/>
-          <p:nvPr/>
-        </p:nvGrpSpPr>
-        <p:grpSpPr>
-          <a:xfrm>
-            <a:off x="742950" y="1104900"/>
-            <a:ext cx="1743075" cy="1333500"/>
-            <a:chOff x="742950" y="1104900"/>
-            <a:chExt cx="1743075" cy="1333500"/>
-          </a:xfrm>
-        </p:grpSpPr>
-        <p:sp>
-          <p:nvSpPr>
-            <p:cNvPr id="5" name="object 3">
-              <a:extLst>
-                <a:ext uri="{FF2B5EF4-FFF2-40B4-BE49-F238E27FC236}">
-                  <a16:creationId xmlns:a16="http://schemas.microsoft.com/office/drawing/2014/main" id="{EDD9AD92-AAB2-29A5-DE7E-DB54B4D98759}"/>
-                </a:ext>
-              </a:extLst>
-            </p:cNvPr>
-            <p:cNvSpPr/>
-            <p:nvPr/>
-          </p:nvSpPr>
-          <p:spPr>
-            <a:xfrm>
-              <a:off x="742950" y="1381125"/>
-              <a:ext cx="1228725" cy="1057275"/>
-            </a:xfrm>
-            <a:custGeom>
-              <a:avLst/>
-              <a:gdLst/>
-              <a:ahLst/>
-              <a:cxnLst/>
-              <a:rect l="l" t="t" r="r" b="b"/>
-              <a:pathLst>
-                <a:path w="1228725" h="1057275">
-                  <a:moveTo>
-                    <a:pt x="964438" y="0"/>
-                  </a:moveTo>
-                  <a:lnTo>
-                    <a:pt x="264312" y="0"/>
-                  </a:lnTo>
-                  <a:lnTo>
-                    <a:pt x="0" y="528701"/>
-                  </a:lnTo>
-                  <a:lnTo>
-                    <a:pt x="264312" y="1057275"/>
-                  </a:lnTo>
-                  <a:lnTo>
-                    <a:pt x="964438" y="1057275"/>
-                  </a:lnTo>
-                  <a:lnTo>
-                    <a:pt x="1228725" y="528701"/>
-                  </a:lnTo>
-                  <a:lnTo>
-                    <a:pt x="964438" y="0"/>
-                  </a:lnTo>
-                  <a:close/>
-                </a:path>
-              </a:pathLst>
-            </a:custGeom>
-            <a:solidFill>
-              <a:srgbClr val="5FCAEE"/>
-            </a:solidFill>
-          </p:spPr>
-          <p:txBody>
-            <a:bodyPr wrap="square" lIns="0" tIns="0" rIns="0" bIns="0" rtlCol="0"/>
-            <a:lstStyle/>
-            <a:p>
-              <a:endParaRPr dirty="0"/>
-            </a:p>
-          </p:txBody>
-        </p:sp>
-        <p:sp>
-          <p:nvSpPr>
-            <p:cNvPr id="6" name="object 4">
-              <a:extLst>
-                <a:ext uri="{FF2B5EF4-FFF2-40B4-BE49-F238E27FC236}">
-                  <a16:creationId xmlns:a16="http://schemas.microsoft.com/office/drawing/2014/main" id="{2AB95681-7242-CDED-9C37-5C1E90C9F906}"/>
-                </a:ext>
-              </a:extLst>
-            </p:cNvPr>
-            <p:cNvSpPr/>
-            <p:nvPr/>
-          </p:nvSpPr>
-          <p:spPr>
-            <a:xfrm>
-              <a:off x="1838325" y="1104900"/>
-              <a:ext cx="647700" cy="561975"/>
-            </a:xfrm>
-            <a:custGeom>
-              <a:avLst/>
-              <a:gdLst/>
-              <a:ahLst/>
-              <a:cxnLst/>
-              <a:rect l="l" t="t" r="r" b="b"/>
-              <a:pathLst>
-                <a:path w="647700" h="561975">
-                  <a:moveTo>
-                    <a:pt x="507238" y="0"/>
-                  </a:moveTo>
-                  <a:lnTo>
-                    <a:pt x="140462" y="0"/>
-                  </a:lnTo>
-                  <a:lnTo>
-                    <a:pt x="0" y="280924"/>
-                  </a:lnTo>
-                  <a:lnTo>
-                    <a:pt x="140462" y="561975"/>
-                  </a:lnTo>
-                  <a:lnTo>
-                    <a:pt x="507238" y="561975"/>
-                  </a:lnTo>
-                  <a:lnTo>
-                    <a:pt x="647700" y="280924"/>
-                  </a:lnTo>
-                  <a:lnTo>
-                    <a:pt x="507238" y="0"/>
-                  </a:lnTo>
-                  <a:close/>
-                </a:path>
-              </a:pathLst>
-            </a:custGeom>
-            <a:solidFill>
-              <a:srgbClr val="2D936B"/>
-            </a:solidFill>
-          </p:spPr>
-          <p:txBody>
-            <a:bodyPr wrap="square" lIns="0" tIns="0" rIns="0" bIns="0" rtlCol="0"/>
-            <a:lstStyle/>
-            <a:p>
-              <a:endParaRPr/>
-            </a:p>
-          </p:txBody>
-        </p:sp>
-      </p:grpSp>
-      <p:sp>
-        <p:nvSpPr>
-          <p:cNvPr id="7" name="object 5">
-            <a:extLst>
-              <a:ext uri="{FF2B5EF4-FFF2-40B4-BE49-F238E27FC236}">
-                <a16:creationId xmlns:a16="http://schemas.microsoft.com/office/drawing/2014/main" id="{3BD7763C-6307-02D4-7E65-3E10A1BE17D3}"/>
-              </a:ext>
-            </a:extLst>
-          </p:cNvPr>
-          <p:cNvSpPr/>
-          <p:nvPr/>
-        </p:nvSpPr>
-        <p:spPr>
-          <a:xfrm>
-            <a:off x="3886200" y="862012"/>
-            <a:ext cx="1666875" cy="1438275"/>
-          </a:xfrm>
-          <a:custGeom>
-            <a:avLst/>
-            <a:gdLst/>
-            <a:ahLst/>
-            <a:cxnLst/>
-            <a:rect l="l" t="t" r="r" b="b"/>
-            <a:pathLst>
-              <a:path w="1666875" h="1438275">
-                <a:moveTo>
-                  <a:pt x="1307338" y="0"/>
-                </a:moveTo>
-                <a:lnTo>
-                  <a:pt x="359537" y="0"/>
-                </a:lnTo>
-                <a:lnTo>
-                  <a:pt x="0" y="719074"/>
-                </a:lnTo>
-                <a:lnTo>
-                  <a:pt x="359537" y="1438275"/>
-                </a:lnTo>
-                <a:lnTo>
-                  <a:pt x="1307338" y="1438275"/>
-                </a:lnTo>
-                <a:lnTo>
-                  <a:pt x="1666875" y="719074"/>
-                </a:lnTo>
-                <a:lnTo>
-                  <a:pt x="1307338" y="0"/>
-                </a:lnTo>
-                <a:close/>
-              </a:path>
-            </a:pathLst>
-          </a:custGeom>
-          <a:solidFill>
-            <a:srgbClr val="42D0A1"/>
-          </a:solidFill>
-        </p:spPr>
-        <p:txBody>
-          <a:bodyPr wrap="square" lIns="0" tIns="0" rIns="0" bIns="0" rtlCol="0"/>
-          <a:lstStyle/>
-          <a:p>
-            <a:endParaRPr/>
-          </a:p>
-        </p:txBody>
-      </p:sp>
-      <p:sp>
-        <p:nvSpPr>
-          <p:cNvPr id="8" name="object 6">
-            <a:extLst>
-              <a:ext uri="{FF2B5EF4-FFF2-40B4-BE49-F238E27FC236}">
-                <a16:creationId xmlns:a16="http://schemas.microsoft.com/office/drawing/2014/main" id="{4C908D43-009D-9640-8546-DC10D52A3A7C}"/>
-              </a:ext>
-            </a:extLst>
-          </p:cNvPr>
-          <p:cNvSpPr/>
-          <p:nvPr/>
-        </p:nvSpPr>
-        <p:spPr>
-          <a:xfrm>
-            <a:off x="3800475" y="5229225"/>
-            <a:ext cx="723900" cy="619125"/>
-          </a:xfrm>
-          <a:custGeom>
-            <a:avLst/>
-            <a:gdLst/>
-            <a:ahLst/>
-            <a:cxnLst/>
-            <a:rect l="l" t="t" r="r" b="b"/>
-            <a:pathLst>
-              <a:path w="723900" h="619125">
-                <a:moveTo>
-                  <a:pt x="569087" y="0"/>
-                </a:moveTo>
-                <a:lnTo>
-                  <a:pt x="154812" y="0"/>
-                </a:lnTo>
-                <a:lnTo>
-                  <a:pt x="0" y="309625"/>
-                </a:lnTo>
-                <a:lnTo>
-                  <a:pt x="154812" y="619125"/>
-                </a:lnTo>
-                <a:lnTo>
-                  <a:pt x="569087" y="619125"/>
-                </a:lnTo>
-                <a:lnTo>
-                  <a:pt x="723900" y="309625"/>
-                </a:lnTo>
-                <a:lnTo>
-                  <a:pt x="569087" y="0"/>
-                </a:lnTo>
-                <a:close/>
-              </a:path>
-            </a:pathLst>
-          </a:custGeom>
-          <a:solidFill>
-            <a:srgbClr val="42AF51"/>
-          </a:solidFill>
-        </p:spPr>
-        <p:txBody>
-          <a:bodyPr wrap="square" lIns="0" tIns="0" rIns="0" bIns="0" rtlCol="0"/>
-          <a:lstStyle/>
-          <a:p>
-            <a:endParaRPr/>
-          </a:p>
-        </p:txBody>
-      </p:sp>
     </p:spTree>
     <p:extLst>
       <p:ext uri="{BB962C8B-B14F-4D97-AF65-F5344CB8AC3E}">
@@ -8740,7 +8471,9 @@
         </p:nvSpPr>
         <p:spPr/>
         <p:txBody>
-          <a:bodyPr/>
+          <a:bodyPr>
+            <a:normAutofit/>
+          </a:bodyPr>
           <a:lstStyle/>
           <a:p>
             <a:r>
@@ -8761,6 +8494,12 @@
             <a:pPr marL="0" indent="0">
               <a:buNone/>
             </a:pPr>
+            <a:r>
+              <a:rPr lang="en-US" dirty="0">
+                <a:hlinkClick r:id="rId2"/>
+              </a:rPr>
+              <a:t>                              https://github.com/yuvasri24-github/final-project</a:t>
+            </a:r>
             <a:endParaRPr lang="en-US" dirty="0"/>
           </a:p>
           <a:p>
